--- a/works/Презентация_РСЧИР_ИКБО-20-21_МухаметшинАР.pptx
+++ b/works/Презентация_РСЧИР_ИКБО-20-21_МухаметшинАР.pptx
@@ -279,7 +279,7 @@
           <a:p>
             <a:fld id="{1D8BD707-D9CF-40AE-B4C6-C98DA3205C09}" type="datetimeFigureOut">
               <a:rPr lang="en-US"/>
-              <a:t>12/9/2023</a:t>
+              <a:t>12/25/2023</a:t>
             </a:fld>
             <a:endParaRPr lang="en-US"/>
           </a:p>
@@ -462,7 +462,7 @@
           <a:p>
             <a:fld id="{1D8BD707-D9CF-40AE-B4C6-C98DA3205C09}" type="datetimeFigureOut">
               <a:rPr lang="en-US"/>
-              <a:t>12/9/2023</a:t>
+              <a:t>12/25/2023</a:t>
             </a:fld>
             <a:endParaRPr lang="en-US"/>
           </a:p>
@@ -682,7 +682,7 @@
           <a:p>
             <a:fld id="{1D8BD707-D9CF-40AE-B4C6-C98DA3205C09}" type="datetimeFigureOut">
               <a:rPr lang="en-US"/>
-              <a:t>12/9/2023</a:t>
+              <a:t>12/25/2023</a:t>
             </a:fld>
             <a:endParaRPr lang="en-US"/>
           </a:p>
@@ -844,7 +844,7 @@
           <a:p>
             <a:fld id="{1D8BD707-D9CF-40AE-B4C6-C98DA3205C09}" type="datetimeFigureOut">
               <a:rPr lang="en-US"/>
-              <a:t>12/9/2023</a:t>
+              <a:t>12/25/2023</a:t>
             </a:fld>
             <a:endParaRPr lang="en-US"/>
           </a:p>
@@ -977,7 +977,7 @@
           <a:p>
             <a:fld id="{1D8BD707-D9CF-40AE-B4C6-C98DA3205C09}" type="datetimeFigureOut">
               <a:rPr lang="en-US"/>
-              <a:t>12/9/2023</a:t>
+              <a:t>12/25/2023</a:t>
             </a:fld>
             <a:endParaRPr lang="en-US"/>
           </a:p>
@@ -1230,7 +1230,7 @@
           <a:p>
             <a:fld id="{1D8BD707-D9CF-40AE-B4C6-C98DA3205C09}" type="datetimeFigureOut">
               <a:rPr lang="en-US"/>
-              <a:t>12/9/2023</a:t>
+              <a:t>12/25/2023</a:t>
             </a:fld>
             <a:endParaRPr lang="en-US"/>
           </a:p>
@@ -1856,28 +1856,28 @@
               <a:t> </a:t>
             </a:r>
             <a:r>
-              <a:rPr sz="1400" b="1" spc="-20" dirty="0">
+              <a:rPr sz="1400" b="1" spc="-20" dirty="0" smtClean="0">
                 <a:latin typeface="Times New Roman"/>
                 <a:cs typeface="Times New Roman"/>
               </a:rPr>
               <a:t>«</a:t>
             </a:r>
             <a:r>
-              <a:rPr lang="ru-RU" sz="1400" b="1" spc="-20" dirty="0">
-                <a:latin typeface="Times New Roman"/>
-                <a:cs typeface="Times New Roman"/>
-              </a:rPr>
-              <a:t>Шаблоны программных платформ языка </a:t>
-            </a:r>
-            <a:r>
-              <a:rPr lang="en-US" sz="1400" b="1" spc="-20" dirty="0">
-                <a:latin typeface="Times New Roman"/>
-                <a:cs typeface="Times New Roman"/>
-              </a:rPr>
-              <a:t>Java</a:t>
-            </a:r>
-            <a:r>
-              <a:rPr sz="1400" b="1" spc="-15" dirty="0">
+              <a:rPr lang="ru-RU" sz="1400" b="1" spc="-20" dirty="0" smtClean="0">
+                <a:latin typeface="Times New Roman"/>
+                <a:cs typeface="Times New Roman"/>
+              </a:rPr>
+              <a:t>Разработка серверных частей интернет </a:t>
+            </a:r>
+            <a:r>
+              <a:rPr lang="ru-RU" sz="1400" b="1" spc="-20" dirty="0" err="1" smtClean="0">
+                <a:latin typeface="Times New Roman"/>
+                <a:cs typeface="Times New Roman"/>
+              </a:rPr>
+              <a:t>рисурсов</a:t>
+            </a:r>
+            <a:r>
+              <a:rPr sz="1400" b="1" spc="-15" dirty="0" smtClean="0">
                 <a:latin typeface="Times New Roman"/>
                 <a:cs typeface="Times New Roman"/>
               </a:rPr>
@@ -3460,11 +3460,7 @@
             </a:r>
             <a:r>
               <a:rPr lang="ru-RU" dirty="0" smtClean="0"/>
-              <a:t> </a:t>
-            </a:r>
-            <a:r>
-              <a:rPr lang="ru-RU" dirty="0" smtClean="0"/>
-              <a:t>— </a:t>
+              <a:t> — </a:t>
             </a:r>
             <a:r>
               <a:rPr lang="ru-RU" dirty="0"/>
@@ -3558,11 +3554,7 @@
             </a:pPr>
             <a:r>
               <a:rPr lang="en-US" dirty="0" smtClean="0"/>
-              <a:t>Python</a:t>
-            </a:r>
-            <a:r>
-              <a:rPr lang="en-US" dirty="0" smtClean="0"/>
-              <a:t> </a:t>
+              <a:t>Python </a:t>
             </a:r>
             <a:r>
               <a:rPr lang="en-US" dirty="0"/>
@@ -3570,11 +3562,7 @@
             </a:r>
             <a:r>
               <a:rPr lang="ru-RU" dirty="0" smtClean="0"/>
-              <a:t>язык </a:t>
-            </a:r>
-            <a:r>
-              <a:rPr lang="ru-RU" dirty="0" smtClean="0"/>
-              <a:t>программирования</a:t>
+              <a:t>язык программирования</a:t>
             </a:r>
             <a:r>
               <a:rPr lang="en-US" dirty="0"/>
@@ -3947,11 +3935,7 @@
                     <a:p>
                       <a:r>
                         <a:rPr lang="ru-RU" dirty="0" smtClean="0"/>
-                        <a:t>Функции доступные </a:t>
-                      </a:r>
-                      <a:r>
-                        <a:rPr lang="ru-RU" dirty="0" smtClean="0"/>
-                        <a:t>пользователю-модератору</a:t>
+                        <a:t>Функции доступные пользователю-модератору</a:t>
                       </a:r>
                       <a:endParaRPr lang="ru-RU" dirty="0"/>
                     </a:p>
